--- a/JPS_9A1_9A3.pptx
+++ b/JPS_9A1_9A3.pptx
@@ -14228,8 +14228,8 @@
         </p:nvSpPr>
         <p:spPr>
           <a:xfrm>
-            <a:off x="204144" y="2752005"/>
-            <a:ext cx="4764656" cy="1861090"/>
+            <a:off x="168275" y="2752090"/>
+            <a:ext cx="4933950" cy="1861185"/>
           </a:xfrm>
           <a:prstGeom prst="rect">
             <a:avLst/>
@@ -14425,24 +14425,25 @@
                 <a:ea typeface="杨任东竹石体-Heavy" panose="02000000000000000000" charset="-122"/>
                 <a:cs typeface="Arial" panose="020B0604020202020204" pitchFamily="34" charset="0"/>
               </a:rPr>
-              <a:t>Cyber Security </a:t>
+              <a:t>Cyber Crimes in India</a:t>
             </a:r>
             <a:r>
-              <a:rPr lang="en-US" altLang="zh-CN" sz="4000" b="1" dirty="0">
-                <a:latin typeface="Calibri" panose="020F0502020204030204"/>
-                <a:ea typeface="杨任东竹石体-Heavy" panose="02000000000000000000" charset="-122"/>
-                <a:cs typeface="Arial" panose="020B0604020202020204" pitchFamily="34" charset="0"/>
-              </a:rPr>
-              <a:t>and</a:t>
-            </a:r>
-            <a:r>
-              <a:rPr lang="en-US" altLang="zh-CN" sz="4000" b="1" dirty="0">
+              <a:rPr lang="en-IN" altLang="en-US" sz="4000" b="1" dirty="0">
                 <a:effectLst/>
                 <a:latin typeface="Calibri" panose="020F0502020204030204"/>
                 <a:ea typeface="杨任东竹石体-Heavy" panose="02000000000000000000" charset="-122"/>
                 <a:cs typeface="Arial" panose="020B0604020202020204" pitchFamily="34" charset="0"/>
               </a:rPr>
-              <a:t> Cyber Crimes in India</a:t>
+              <a:t>: </a:t>
+            </a:r>
+            <a:r>
+              <a:rPr lang="en-IN" altLang="en-US" sz="3200" b="1" dirty="0">
+                <a:effectLst/>
+                <a:latin typeface="Calibri" panose="020F0502020204030204"/>
+                <a:ea typeface="杨任东竹石体-Heavy" panose="02000000000000000000" charset="-122"/>
+                <a:cs typeface="Arial" panose="020B0604020202020204" pitchFamily="34" charset="0"/>
+              </a:rPr>
+              <a:t>Trend and Future Prediction</a:t>
             </a:r>
             <a:endParaRPr lang="zh-CN" altLang="en-US" sz="4000" b="1" dirty="0">
               <a:effectLst/>
